--- a/ppt/MORICO_Concepts_Part-3.pptx
+++ b/ppt/MORICO_Concepts_Part-3.pptx
@@ -5,7 +5,7 @@
     <p:sldMasterId id="2147483648" r:id="rId1"/>
   </p:sldMasterIdLst>
   <p:notesMasterIdLst>
-    <p:notesMasterId r:id="rId15"/>
+    <p:notesMasterId r:id="rId18"/>
   </p:notesMasterIdLst>
   <p:sldIdLst>
     <p:sldId id="333" r:id="rId2"/>
@@ -20,17 +20,20 @@
     <p:sldId id="342" r:id="rId11"/>
     <p:sldId id="343" r:id="rId12"/>
     <p:sldId id="344" r:id="rId13"/>
-    <p:sldId id="345" r:id="rId14"/>
+    <p:sldId id="346" r:id="rId14"/>
+    <p:sldId id="347" r:id="rId15"/>
+    <p:sldId id="348" r:id="rId16"/>
+    <p:sldId id="345" r:id="rId17"/>
   </p:sldIdLst>
   <p:sldSz cx="12192000" cy="6858000"/>
   <p:notesSz cx="6858000" cy="9144000"/>
   <p:embeddedFontLst>
     <p:embeddedFont>
       <p:font typeface="Helvetica Neue" panose="02000503000000020004" pitchFamily="2" charset="0"/>
-      <p:regular r:id="rId16"/>
-      <p:bold r:id="rId17"/>
-      <p:italic r:id="rId18"/>
-      <p:boldItalic r:id="rId19"/>
+      <p:regular r:id="rId19"/>
+      <p:bold r:id="rId20"/>
+      <p:italic r:id="rId21"/>
+      <p:boldItalic r:id="rId22"/>
     </p:embeddedFont>
   </p:embeddedFontLst>
   <p:defaultTextStyle>
@@ -278,7 +281,7 @@
       </p15:sldGuideLst>
     </p:ext>
     <p:ext uri="GoogleSlidesCustomDataVersion2">
-      <go:slidesCustomData xmlns="" xmlns:mc="http://schemas.openxmlformats.org/markup-compatibility/2006" xmlns:mv="urn:schemas-microsoft-com:mac:vml" xmlns:c="http://schemas.openxmlformats.org/drawingml/2006/chart" xmlns:dgm="http://schemas.openxmlformats.org/drawingml/2006/diagram" xmlns:o="urn:schemas-microsoft-com:office:office" xmlns:v="urn:schemas-microsoft-com:vml" xmlns:pvml="urn:schemas-microsoft-com:office:powerpoint" xmlns:com="http://schemas.openxmlformats.org/drawingml/2006/compatibility" xmlns:p14="http://schemas.microsoft.com/office/powerpoint/2010/main" xmlns:p15="http://schemas.microsoft.com/office/powerpoint/2012/main" xmlns:ahyp="http://schemas.microsoft.com/office/drawing/2018/hyperlinkcolor" xmlns:go="http://customooxmlschemas.google.com/" r:id="rId113" roundtripDataSignature="AMtx7mjAqJdPZH+6tm7eFfURO46qIxfQEw=="/>
+      <go:slidesCustomData xmlns:go="http://customooxmlschemas.google.com/" xmlns:ahyp="http://schemas.microsoft.com/office/drawing/2018/hyperlinkcolor" xmlns:p15="http://schemas.microsoft.com/office/powerpoint/2012/main" xmlns:p14="http://schemas.microsoft.com/office/powerpoint/2010/main" xmlns:com="http://schemas.openxmlformats.org/drawingml/2006/compatibility" xmlns:pvml="urn:schemas-microsoft-com:office:powerpoint" xmlns:v="urn:schemas-microsoft-com:vml" xmlns:o="urn:schemas-microsoft-com:office:office" xmlns:dgm="http://schemas.openxmlformats.org/drawingml/2006/diagram" xmlns:c="http://schemas.openxmlformats.org/drawingml/2006/chart" xmlns:mv="urn:schemas-microsoft-com:mac:vml" xmlns:mc="http://schemas.openxmlformats.org/markup-compatibility/2006" xmlns="" r:id="rId113" roundtripDataSignature="AMtx7mjAqJdPZH+6tm7eFfURO46qIxfQEw=="/>
     </p:ext>
   </p:extLst>
 </p:presentation>
@@ -1894,6 +1897,387 @@
 </file>
 
 <file path=ppt/notesSlides/notesSlide13.xml><?xml version="1.0" encoding="utf-8"?>
+<p:notes xmlns:a="http://schemas.openxmlformats.org/drawingml/2006/main" xmlns:r="http://schemas.openxmlformats.org/officeDocument/2006/relationships" xmlns:p="http://schemas.openxmlformats.org/presentationml/2006/main" showMasterSp="0" showMasterPhAnim="0">
+  <p:cSld>
+    <p:spTree>
+      <p:nvGrpSpPr>
+        <p:cNvPr id="1" name="Shape 155">
+          <a:extLst>
+            <a:ext uri="{FF2B5EF4-FFF2-40B4-BE49-F238E27FC236}">
+              <a16:creationId xmlns:a16="http://schemas.microsoft.com/office/drawing/2014/main" id="{387C5B73-77A7-8BE5-E2AA-04A796FE70C8}"/>
+            </a:ext>
+          </a:extLst>
+        </p:cNvPr>
+        <p:cNvGrpSpPr/>
+        <p:nvPr/>
+      </p:nvGrpSpPr>
+      <p:grpSpPr>
+        <a:xfrm>
+          <a:off x="0" y="0"/>
+          <a:ext cx="0" cy="0"/>
+          <a:chOff x="0" y="0"/>
+          <a:chExt cx="0" cy="0"/>
+        </a:xfrm>
+      </p:grpSpPr>
+      <p:sp>
+        <p:nvSpPr>
+          <p:cNvPr id="156" name="Google Shape;156;g1ec62e53919_0_76:notes">
+            <a:extLst>
+              <a:ext uri="{FF2B5EF4-FFF2-40B4-BE49-F238E27FC236}">
+                <a16:creationId xmlns:a16="http://schemas.microsoft.com/office/drawing/2014/main" id="{965EEFD4-53DD-8D32-6F2E-5C9032EB0027}"/>
+              </a:ext>
+            </a:extLst>
+          </p:cNvPr>
+          <p:cNvSpPr>
+            <a:spLocks noGrp="1" noRot="1" noChangeAspect="1"/>
+          </p:cNvSpPr>
+          <p:nvPr>
+            <p:ph type="sldImg" idx="2"/>
+          </p:nvPr>
+        </p:nvSpPr>
+        <p:spPr>
+          <a:xfrm>
+            <a:off x="381000" y="685800"/>
+            <a:ext cx="6096000" cy="3429000"/>
+          </a:xfrm>
+          <a:custGeom>
+            <a:avLst/>
+            <a:gdLst/>
+            <a:ahLst/>
+            <a:cxnLst/>
+            <a:rect l="l" t="t" r="r" b="b"/>
+            <a:pathLst>
+              <a:path w="120000" h="120000" extrusionOk="0">
+                <a:moveTo>
+                  <a:pt x="0" y="0"/>
+                </a:moveTo>
+                <a:lnTo>
+                  <a:pt x="120000" y="0"/>
+                </a:lnTo>
+                <a:lnTo>
+                  <a:pt x="120000" y="120000"/>
+                </a:lnTo>
+                <a:lnTo>
+                  <a:pt x="0" y="120000"/>
+                </a:lnTo>
+                <a:close/>
+              </a:path>
+            </a:pathLst>
+          </a:custGeom>
+        </p:spPr>
+      </p:sp>
+      <p:sp>
+        <p:nvSpPr>
+          <p:cNvPr id="157" name="Google Shape;157;g1ec62e53919_0_76:notes">
+            <a:extLst>
+              <a:ext uri="{FF2B5EF4-FFF2-40B4-BE49-F238E27FC236}">
+                <a16:creationId xmlns:a16="http://schemas.microsoft.com/office/drawing/2014/main" id="{E02F2D52-19DE-30B9-AA2C-B723369FC9B6}"/>
+              </a:ext>
+            </a:extLst>
+          </p:cNvPr>
+          <p:cNvSpPr txBox="1">
+            <a:spLocks noGrp="1"/>
+          </p:cNvSpPr>
+          <p:nvPr>
+            <p:ph type="body" idx="1"/>
+          </p:nvPr>
+        </p:nvSpPr>
+        <p:spPr>
+          <a:xfrm>
+            <a:off x="685800" y="4343400"/>
+            <a:ext cx="5486400" cy="4114800"/>
+          </a:xfrm>
+          <a:prstGeom prst="rect">
+            <a:avLst/>
+          </a:prstGeom>
+        </p:spPr>
+        <p:txBody>
+          <a:bodyPr spcFirstLastPara="1" wrap="square" lIns="91425" tIns="91425" rIns="91425" bIns="91425" anchor="t" anchorCtr="0">
+            <a:noAutofit/>
+          </a:bodyPr>
+          <a:lstStyle/>
+          <a:p>
+            <a:pPr marL="0" lvl="0" indent="0" algn="l" rtl="0">
+              <a:spcBef>
+                <a:spcPts val="0"/>
+              </a:spcBef>
+              <a:spcAft>
+                <a:spcPts val="0"/>
+              </a:spcAft>
+              <a:buNone/>
+            </a:pPr>
+            <a:endParaRPr/>
+          </a:p>
+        </p:txBody>
+      </p:sp>
+    </p:spTree>
+    <p:extLst>
+      <p:ext uri="{BB962C8B-B14F-4D97-AF65-F5344CB8AC3E}">
+        <p14:creationId xmlns:p14="http://schemas.microsoft.com/office/powerpoint/2010/main" val="3658928266"/>
+      </p:ext>
+    </p:extLst>
+  </p:cSld>
+  <p:clrMapOvr>
+    <a:masterClrMapping/>
+  </p:clrMapOvr>
+</p:notes>
+</file>
+
+<file path=ppt/notesSlides/notesSlide14.xml><?xml version="1.0" encoding="utf-8"?>
+<p:notes xmlns:a="http://schemas.openxmlformats.org/drawingml/2006/main" xmlns:r="http://schemas.openxmlformats.org/officeDocument/2006/relationships" xmlns:p="http://schemas.openxmlformats.org/presentationml/2006/main" showMasterSp="0" showMasterPhAnim="0">
+  <p:cSld>
+    <p:spTree>
+      <p:nvGrpSpPr>
+        <p:cNvPr id="1" name="Shape 155">
+          <a:extLst>
+            <a:ext uri="{FF2B5EF4-FFF2-40B4-BE49-F238E27FC236}">
+              <a16:creationId xmlns:a16="http://schemas.microsoft.com/office/drawing/2014/main" id="{BEBB2C54-8CC3-D7E4-D3DD-A02AE7ED6595}"/>
+            </a:ext>
+          </a:extLst>
+        </p:cNvPr>
+        <p:cNvGrpSpPr/>
+        <p:nvPr/>
+      </p:nvGrpSpPr>
+      <p:grpSpPr>
+        <a:xfrm>
+          <a:off x="0" y="0"/>
+          <a:ext cx="0" cy="0"/>
+          <a:chOff x="0" y="0"/>
+          <a:chExt cx="0" cy="0"/>
+        </a:xfrm>
+      </p:grpSpPr>
+      <p:sp>
+        <p:nvSpPr>
+          <p:cNvPr id="156" name="Google Shape;156;g1ec62e53919_0_76:notes">
+            <a:extLst>
+              <a:ext uri="{FF2B5EF4-FFF2-40B4-BE49-F238E27FC236}">
+                <a16:creationId xmlns:a16="http://schemas.microsoft.com/office/drawing/2014/main" id="{6B3F3B17-3EA4-FB88-FCE0-7AAF7BFEBB70}"/>
+              </a:ext>
+            </a:extLst>
+          </p:cNvPr>
+          <p:cNvSpPr>
+            <a:spLocks noGrp="1" noRot="1" noChangeAspect="1"/>
+          </p:cNvSpPr>
+          <p:nvPr>
+            <p:ph type="sldImg" idx="2"/>
+          </p:nvPr>
+        </p:nvSpPr>
+        <p:spPr>
+          <a:xfrm>
+            <a:off x="381000" y="685800"/>
+            <a:ext cx="6096000" cy="3429000"/>
+          </a:xfrm>
+          <a:custGeom>
+            <a:avLst/>
+            <a:gdLst/>
+            <a:ahLst/>
+            <a:cxnLst/>
+            <a:rect l="l" t="t" r="r" b="b"/>
+            <a:pathLst>
+              <a:path w="120000" h="120000" extrusionOk="0">
+                <a:moveTo>
+                  <a:pt x="0" y="0"/>
+                </a:moveTo>
+                <a:lnTo>
+                  <a:pt x="120000" y="0"/>
+                </a:lnTo>
+                <a:lnTo>
+                  <a:pt x="120000" y="120000"/>
+                </a:lnTo>
+                <a:lnTo>
+                  <a:pt x="0" y="120000"/>
+                </a:lnTo>
+                <a:close/>
+              </a:path>
+            </a:pathLst>
+          </a:custGeom>
+        </p:spPr>
+      </p:sp>
+      <p:sp>
+        <p:nvSpPr>
+          <p:cNvPr id="157" name="Google Shape;157;g1ec62e53919_0_76:notes">
+            <a:extLst>
+              <a:ext uri="{FF2B5EF4-FFF2-40B4-BE49-F238E27FC236}">
+                <a16:creationId xmlns:a16="http://schemas.microsoft.com/office/drawing/2014/main" id="{60A3253F-C35E-9ABD-67B4-963E978E3447}"/>
+              </a:ext>
+            </a:extLst>
+          </p:cNvPr>
+          <p:cNvSpPr txBox="1">
+            <a:spLocks noGrp="1"/>
+          </p:cNvSpPr>
+          <p:nvPr>
+            <p:ph type="body" idx="1"/>
+          </p:nvPr>
+        </p:nvSpPr>
+        <p:spPr>
+          <a:xfrm>
+            <a:off x="685800" y="4343400"/>
+            <a:ext cx="5486400" cy="4114800"/>
+          </a:xfrm>
+          <a:prstGeom prst="rect">
+            <a:avLst/>
+          </a:prstGeom>
+        </p:spPr>
+        <p:txBody>
+          <a:bodyPr spcFirstLastPara="1" wrap="square" lIns="91425" tIns="91425" rIns="91425" bIns="91425" anchor="t" anchorCtr="0">
+            <a:noAutofit/>
+          </a:bodyPr>
+          <a:lstStyle/>
+          <a:p>
+            <a:pPr marL="0" lvl="0" indent="0" algn="l" rtl="0">
+              <a:spcBef>
+                <a:spcPts val="0"/>
+              </a:spcBef>
+              <a:spcAft>
+                <a:spcPts val="0"/>
+              </a:spcAft>
+              <a:buNone/>
+            </a:pPr>
+            <a:endParaRPr/>
+          </a:p>
+        </p:txBody>
+      </p:sp>
+    </p:spTree>
+    <p:extLst>
+      <p:ext uri="{BB962C8B-B14F-4D97-AF65-F5344CB8AC3E}">
+        <p14:creationId xmlns:p14="http://schemas.microsoft.com/office/powerpoint/2010/main" val="3927643763"/>
+      </p:ext>
+    </p:extLst>
+  </p:cSld>
+  <p:clrMapOvr>
+    <a:masterClrMapping/>
+  </p:clrMapOvr>
+</p:notes>
+</file>
+
+<file path=ppt/notesSlides/notesSlide15.xml><?xml version="1.0" encoding="utf-8"?>
+<p:notes xmlns:a="http://schemas.openxmlformats.org/drawingml/2006/main" xmlns:r="http://schemas.openxmlformats.org/officeDocument/2006/relationships" xmlns:p="http://schemas.openxmlformats.org/presentationml/2006/main" showMasterSp="0" showMasterPhAnim="0">
+  <p:cSld>
+    <p:spTree>
+      <p:nvGrpSpPr>
+        <p:cNvPr id="1" name="Shape 155">
+          <a:extLst>
+            <a:ext uri="{FF2B5EF4-FFF2-40B4-BE49-F238E27FC236}">
+              <a16:creationId xmlns:a16="http://schemas.microsoft.com/office/drawing/2014/main" id="{8BEB6623-F1E1-7A34-CD74-FF93C1800358}"/>
+            </a:ext>
+          </a:extLst>
+        </p:cNvPr>
+        <p:cNvGrpSpPr/>
+        <p:nvPr/>
+      </p:nvGrpSpPr>
+      <p:grpSpPr>
+        <a:xfrm>
+          <a:off x="0" y="0"/>
+          <a:ext cx="0" cy="0"/>
+          <a:chOff x="0" y="0"/>
+          <a:chExt cx="0" cy="0"/>
+        </a:xfrm>
+      </p:grpSpPr>
+      <p:sp>
+        <p:nvSpPr>
+          <p:cNvPr id="156" name="Google Shape;156;g1ec62e53919_0_76:notes">
+            <a:extLst>
+              <a:ext uri="{FF2B5EF4-FFF2-40B4-BE49-F238E27FC236}">
+                <a16:creationId xmlns:a16="http://schemas.microsoft.com/office/drawing/2014/main" id="{892CCEF4-04B1-E9B1-646F-E4483D785AC7}"/>
+              </a:ext>
+            </a:extLst>
+          </p:cNvPr>
+          <p:cNvSpPr>
+            <a:spLocks noGrp="1" noRot="1" noChangeAspect="1"/>
+          </p:cNvSpPr>
+          <p:nvPr>
+            <p:ph type="sldImg" idx="2"/>
+          </p:nvPr>
+        </p:nvSpPr>
+        <p:spPr>
+          <a:xfrm>
+            <a:off x="381000" y="685800"/>
+            <a:ext cx="6096000" cy="3429000"/>
+          </a:xfrm>
+          <a:custGeom>
+            <a:avLst/>
+            <a:gdLst/>
+            <a:ahLst/>
+            <a:cxnLst/>
+            <a:rect l="l" t="t" r="r" b="b"/>
+            <a:pathLst>
+              <a:path w="120000" h="120000" extrusionOk="0">
+                <a:moveTo>
+                  <a:pt x="0" y="0"/>
+                </a:moveTo>
+                <a:lnTo>
+                  <a:pt x="120000" y="0"/>
+                </a:lnTo>
+                <a:lnTo>
+                  <a:pt x="120000" y="120000"/>
+                </a:lnTo>
+                <a:lnTo>
+                  <a:pt x="0" y="120000"/>
+                </a:lnTo>
+                <a:close/>
+              </a:path>
+            </a:pathLst>
+          </a:custGeom>
+        </p:spPr>
+      </p:sp>
+      <p:sp>
+        <p:nvSpPr>
+          <p:cNvPr id="157" name="Google Shape;157;g1ec62e53919_0_76:notes">
+            <a:extLst>
+              <a:ext uri="{FF2B5EF4-FFF2-40B4-BE49-F238E27FC236}">
+                <a16:creationId xmlns:a16="http://schemas.microsoft.com/office/drawing/2014/main" id="{A4B35480-5517-85E1-8BB8-14DA56180F70}"/>
+              </a:ext>
+            </a:extLst>
+          </p:cNvPr>
+          <p:cNvSpPr txBox="1">
+            <a:spLocks noGrp="1"/>
+          </p:cNvSpPr>
+          <p:nvPr>
+            <p:ph type="body" idx="1"/>
+          </p:nvPr>
+        </p:nvSpPr>
+        <p:spPr>
+          <a:xfrm>
+            <a:off x="685800" y="4343400"/>
+            <a:ext cx="5486400" cy="4114800"/>
+          </a:xfrm>
+          <a:prstGeom prst="rect">
+            <a:avLst/>
+          </a:prstGeom>
+        </p:spPr>
+        <p:txBody>
+          <a:bodyPr spcFirstLastPara="1" wrap="square" lIns="91425" tIns="91425" rIns="91425" bIns="91425" anchor="t" anchorCtr="0">
+            <a:noAutofit/>
+          </a:bodyPr>
+          <a:lstStyle/>
+          <a:p>
+            <a:pPr marL="0" lvl="0" indent="0" algn="l" rtl="0">
+              <a:spcBef>
+                <a:spcPts val="0"/>
+              </a:spcBef>
+              <a:spcAft>
+                <a:spcPts val="0"/>
+              </a:spcAft>
+              <a:buNone/>
+            </a:pPr>
+            <a:endParaRPr/>
+          </a:p>
+        </p:txBody>
+      </p:sp>
+    </p:spTree>
+    <p:extLst>
+      <p:ext uri="{BB962C8B-B14F-4D97-AF65-F5344CB8AC3E}">
+        <p14:creationId xmlns:p14="http://schemas.microsoft.com/office/powerpoint/2010/main" val="3041183991"/>
+      </p:ext>
+    </p:extLst>
+  </p:cSld>
+  <p:clrMapOvr>
+    <a:masterClrMapping/>
+  </p:clrMapOvr>
+</p:notes>
+</file>
+
+<file path=ppt/notesSlides/notesSlide16.xml><?xml version="1.0" encoding="utf-8"?>
 <p:notes xmlns:a="http://schemas.openxmlformats.org/drawingml/2006/main" xmlns:r="http://schemas.openxmlformats.org/officeDocument/2006/relationships" xmlns:p="http://schemas.openxmlformats.org/presentationml/2006/main" showMasterSp="0" showMasterPhAnim="0">
   <p:cSld>
     <p:spTree>
@@ -13630,6 +14014,939 @@
   <p:cSld>
     <p:spTree>
       <p:nvGrpSpPr>
+        <p:cNvPr id="1" name="Shape 158">
+          <a:extLst>
+            <a:ext uri="{FF2B5EF4-FFF2-40B4-BE49-F238E27FC236}">
+              <a16:creationId xmlns:a16="http://schemas.microsoft.com/office/drawing/2014/main" id="{5D8D07F6-81B5-8BF3-D0C6-2FC13A10B8D4}"/>
+            </a:ext>
+          </a:extLst>
+        </p:cNvPr>
+        <p:cNvGrpSpPr/>
+        <p:nvPr/>
+      </p:nvGrpSpPr>
+      <p:grpSpPr>
+        <a:xfrm>
+          <a:off x="0" y="0"/>
+          <a:ext cx="0" cy="0"/>
+          <a:chOff x="0" y="0"/>
+          <a:chExt cx="0" cy="0"/>
+        </a:xfrm>
+      </p:grpSpPr>
+      <p:sp>
+        <p:nvSpPr>
+          <p:cNvPr id="159" name="Google Shape;159;p26">
+            <a:extLst>
+              <a:ext uri="{FF2B5EF4-FFF2-40B4-BE49-F238E27FC236}">
+                <a16:creationId xmlns:a16="http://schemas.microsoft.com/office/drawing/2014/main" id="{B31016C2-65DB-E557-A04D-63AE427D54D9}"/>
+              </a:ext>
+            </a:extLst>
+          </p:cNvPr>
+          <p:cNvSpPr txBox="1">
+            <a:spLocks noGrp="1"/>
+          </p:cNvSpPr>
+          <p:nvPr>
+            <p:ph type="title"/>
+          </p:nvPr>
+        </p:nvSpPr>
+        <p:spPr>
+          <a:xfrm>
+            <a:off x="415600" y="593367"/>
+            <a:ext cx="11360800" cy="1069178"/>
+          </a:xfrm>
+          <a:prstGeom prst="rect">
+            <a:avLst/>
+          </a:prstGeom>
+        </p:spPr>
+        <p:txBody>
+          <a:bodyPr spcFirstLastPara="1" wrap="square" lIns="121900" tIns="121900" rIns="121900" bIns="121900" anchor="t" anchorCtr="0">
+            <a:normAutofit fontScale="90000"/>
+          </a:bodyPr>
+          <a:lstStyle/>
+          <a:p>
+            <a:r>
+              <a:rPr lang="fr" dirty="0"/>
+              <a:t>Bonnes pratiques de modélisation</a:t>
+            </a:r>
+            <a:endParaRPr dirty="0"/>
+          </a:p>
+          <a:p>
+            <a:pPr>
+              <a:lnSpc>
+                <a:spcPct val="115000"/>
+              </a:lnSpc>
+              <a:spcAft>
+                <a:spcPts val="1600"/>
+              </a:spcAft>
+            </a:pPr>
+            <a:r>
+              <a:rPr lang="fr" sz="2400" dirty="0">
+                <a:solidFill>
+                  <a:srgbClr val="00B050"/>
+                </a:solidFill>
+              </a:rPr>
+              <a:t>Générer un environnement de travail reproductible</a:t>
+            </a:r>
+            <a:endParaRPr dirty="0">
+              <a:solidFill>
+                <a:srgbClr val="00B050"/>
+              </a:solidFill>
+            </a:endParaRPr>
+          </a:p>
+        </p:txBody>
+      </p:sp>
+      <p:sp>
+        <p:nvSpPr>
+          <p:cNvPr id="160" name="Google Shape;160;p26">
+            <a:extLst>
+              <a:ext uri="{FF2B5EF4-FFF2-40B4-BE49-F238E27FC236}">
+                <a16:creationId xmlns:a16="http://schemas.microsoft.com/office/drawing/2014/main" id="{3FDAC0EE-46E7-C96E-44DD-CF2BED988BDC}"/>
+              </a:ext>
+            </a:extLst>
+          </p:cNvPr>
+          <p:cNvSpPr txBox="1">
+            <a:spLocks noGrp="1"/>
+          </p:cNvSpPr>
+          <p:nvPr>
+            <p:ph type="body" idx="1"/>
+          </p:nvPr>
+        </p:nvSpPr>
+        <p:spPr>
+          <a:xfrm>
+            <a:off x="415600" y="1773533"/>
+            <a:ext cx="11360800" cy="4318400"/>
+          </a:xfrm>
+          <a:prstGeom prst="rect">
+            <a:avLst/>
+          </a:prstGeom>
+        </p:spPr>
+        <p:txBody>
+          <a:bodyPr spcFirstLastPara="1" wrap="square" lIns="121900" tIns="121900" rIns="121900" bIns="121900" anchor="t" anchorCtr="0">
+            <a:normAutofit/>
+          </a:bodyPr>
+          <a:lstStyle/>
+          <a:p>
+            <a:pPr marL="0" indent="0">
+              <a:buNone/>
+            </a:pPr>
+            <a:r>
+              <a:rPr lang="fr"/>
+              <a:t>Options:</a:t>
+            </a:r>
+            <a:endParaRPr/>
+          </a:p>
+          <a:p>
+            <a:pPr>
+              <a:spcBef>
+                <a:spcPts val="1600"/>
+              </a:spcBef>
+              <a:buChar char="-"/>
+            </a:pPr>
+            <a:r>
+              <a:rPr lang="fr" u="sng">
+                <a:solidFill>
+                  <a:schemeClr val="hlink"/>
+                </a:solidFill>
+                <a:hlinkClick r:id="rId3"/>
+              </a:rPr>
+              <a:t>{renv}</a:t>
+            </a:r>
+            <a:r>
+              <a:rPr lang="fr"/>
+              <a:t> peut s’ajouter directement à la création d’un projet RStudio</a:t>
+            </a:r>
+            <a:endParaRPr/>
+          </a:p>
+          <a:p>
+            <a:pPr>
+              <a:buChar char="-"/>
+            </a:pPr>
+            <a:r>
+              <a:rPr lang="fr"/>
+              <a:t>Machines virtuelles </a:t>
+            </a:r>
+            <a:r>
+              <a:rPr lang="fr" u="sng">
+                <a:solidFill>
+                  <a:schemeClr val="hlink"/>
+                </a:solidFill>
+                <a:hlinkClick r:id="rId4"/>
+              </a:rPr>
+              <a:t>Docker </a:t>
+            </a:r>
+            <a:r>
+              <a:rPr lang="fr"/>
+              <a:t>(+ complexe)</a:t>
+            </a:r>
+            <a:endParaRPr/>
+          </a:p>
+          <a:p>
+            <a:pPr>
+              <a:buChar char="-"/>
+            </a:pPr>
+            <a:r>
+              <a:rPr lang="fr"/>
+              <a:t>Gestionnaire de package </a:t>
+            </a:r>
+            <a:r>
+              <a:rPr lang="fr" u="sng">
+                <a:solidFill>
+                  <a:schemeClr val="hlink"/>
+                </a:solidFill>
+                <a:hlinkClick r:id="rId5"/>
+              </a:rPr>
+              <a:t>Nix </a:t>
+            </a:r>
+            <a:endParaRPr/>
+          </a:p>
+          <a:p>
+            <a:pPr lvl="1">
+              <a:buChar char="-"/>
+            </a:pPr>
+            <a:r>
+              <a:rPr lang="fr"/>
+              <a:t>Librairie </a:t>
+            </a:r>
+            <a:r>
+              <a:rPr lang="fr" u="sng">
+                <a:solidFill>
+                  <a:schemeClr val="hlink"/>
+                </a:solidFill>
+                <a:hlinkClick r:id="rId5"/>
+              </a:rPr>
+              <a:t>{rix}</a:t>
+            </a:r>
+            <a:r>
+              <a:rPr lang="fr"/>
+              <a:t> pour fonctionner depuis R</a:t>
+            </a:r>
+            <a:endParaRPr/>
+          </a:p>
+          <a:p>
+            <a:pPr lvl="1">
+              <a:buChar char="-"/>
+            </a:pPr>
+            <a:r>
+              <a:rPr lang="fr"/>
+              <a:t>Mise à jour automatique des dépendances des librairies et logiciels</a:t>
+            </a:r>
+            <a:endParaRPr/>
+          </a:p>
+        </p:txBody>
+      </p:sp>
+      <p:pic>
+        <p:nvPicPr>
+          <p:cNvPr id="161" name="Google Shape;161;p26">
+            <a:extLst>
+              <a:ext uri="{FF2B5EF4-FFF2-40B4-BE49-F238E27FC236}">
+                <a16:creationId xmlns:a16="http://schemas.microsoft.com/office/drawing/2014/main" id="{1E496564-9E54-5703-F8D0-B8A86BC4767F}"/>
+              </a:ext>
+            </a:extLst>
+          </p:cNvPr>
+          <p:cNvPicPr preferRelativeResize="0"/>
+          <p:nvPr/>
+        </p:nvPicPr>
+        <p:blipFill>
+          <a:blip r:embed="rId6">
+            <a:alphaModFix/>
+          </a:blip>
+          <a:stretch>
+            <a:fillRect/>
+          </a:stretch>
+        </p:blipFill>
+        <p:spPr>
+          <a:xfrm>
+            <a:off x="9443259" y="4455491"/>
+            <a:ext cx="2178065" cy="2178065"/>
+          </a:xfrm>
+          <a:prstGeom prst="rect">
+            <a:avLst/>
+          </a:prstGeom>
+          <a:noFill/>
+          <a:ln>
+            <a:noFill/>
+          </a:ln>
+        </p:spPr>
+      </p:pic>
+      <p:sp>
+        <p:nvSpPr>
+          <p:cNvPr id="5" name="Google Shape;768;g2a91ee48165_0_10">
+            <a:extLst>
+              <a:ext uri="{FF2B5EF4-FFF2-40B4-BE49-F238E27FC236}">
+                <a16:creationId xmlns:a16="http://schemas.microsoft.com/office/drawing/2014/main" id="{8CFC969A-AF8D-6A2D-9F53-9C771A6B3D7B}"/>
+              </a:ext>
+            </a:extLst>
+          </p:cNvPr>
+          <p:cNvSpPr txBox="1">
+            <a:spLocks noGrp="1"/>
+          </p:cNvSpPr>
+          <p:nvPr>
+            <p:ph type="sldNum" idx="12"/>
+          </p:nvPr>
+        </p:nvSpPr>
+        <p:spPr>
+          <a:xfrm>
+            <a:off x="8610600" y="6356351"/>
+            <a:ext cx="2743200" cy="365200"/>
+          </a:xfrm>
+          <a:prstGeom prst="rect">
+            <a:avLst/>
+          </a:prstGeom>
+        </p:spPr>
+        <p:txBody>
+          <a:bodyPr spcFirstLastPara="1" wrap="square" lIns="91433" tIns="45700" rIns="91433" bIns="45700" anchor="ctr" anchorCtr="0">
+            <a:noAutofit/>
+          </a:bodyPr>
+          <a:lstStyle/>
+          <a:p>
+            <a:fld id="{00000000-1234-1234-1234-123412341234}" type="slidenum">
+              <a:rPr lang="fr-FR"/>
+              <a:pPr/>
+              <a:t>13</a:t>
+            </a:fld>
+            <a:endParaRPr/>
+          </a:p>
+        </p:txBody>
+      </p:sp>
+    </p:spTree>
+    <p:extLst>
+      <p:ext uri="{BB962C8B-B14F-4D97-AF65-F5344CB8AC3E}">
+        <p14:creationId xmlns:p14="http://schemas.microsoft.com/office/powerpoint/2010/main" val="494573027"/>
+      </p:ext>
+    </p:extLst>
+  </p:cSld>
+  <p:clrMapOvr>
+    <a:masterClrMapping/>
+  </p:clrMapOvr>
+</p:sld>
+</file>
+
+<file path=ppt/slides/slide14.xml><?xml version="1.0" encoding="utf-8"?>
+<p:sld xmlns:a="http://schemas.openxmlformats.org/drawingml/2006/main" xmlns:r="http://schemas.openxmlformats.org/officeDocument/2006/relationships" xmlns:p="http://schemas.openxmlformats.org/presentationml/2006/main">
+  <p:cSld>
+    <p:spTree>
+      <p:nvGrpSpPr>
+        <p:cNvPr id="1" name="Shape 158">
+          <a:extLst>
+            <a:ext uri="{FF2B5EF4-FFF2-40B4-BE49-F238E27FC236}">
+              <a16:creationId xmlns:a16="http://schemas.microsoft.com/office/drawing/2014/main" id="{B9E4873B-D757-26FA-58F7-5C9A63BD3F3A}"/>
+            </a:ext>
+          </a:extLst>
+        </p:cNvPr>
+        <p:cNvGrpSpPr/>
+        <p:nvPr/>
+      </p:nvGrpSpPr>
+      <p:grpSpPr>
+        <a:xfrm>
+          <a:off x="0" y="0"/>
+          <a:ext cx="0" cy="0"/>
+          <a:chOff x="0" y="0"/>
+          <a:chExt cx="0" cy="0"/>
+        </a:xfrm>
+      </p:grpSpPr>
+      <p:sp>
+        <p:nvSpPr>
+          <p:cNvPr id="159" name="Google Shape;159;p26">
+            <a:extLst>
+              <a:ext uri="{FF2B5EF4-FFF2-40B4-BE49-F238E27FC236}">
+                <a16:creationId xmlns:a16="http://schemas.microsoft.com/office/drawing/2014/main" id="{9ADBD89D-DA7F-4DE0-A5E9-F7EAE6C00675}"/>
+              </a:ext>
+            </a:extLst>
+          </p:cNvPr>
+          <p:cNvSpPr txBox="1">
+            <a:spLocks noGrp="1"/>
+          </p:cNvSpPr>
+          <p:nvPr>
+            <p:ph type="title"/>
+          </p:nvPr>
+        </p:nvSpPr>
+        <p:spPr>
+          <a:xfrm>
+            <a:off x="415600" y="593367"/>
+            <a:ext cx="11360800" cy="1069178"/>
+          </a:xfrm>
+          <a:prstGeom prst="rect">
+            <a:avLst/>
+          </a:prstGeom>
+        </p:spPr>
+        <p:txBody>
+          <a:bodyPr spcFirstLastPara="1" wrap="square" lIns="121900" tIns="121900" rIns="121900" bIns="121900" anchor="t" anchorCtr="0">
+            <a:normAutofit fontScale="90000"/>
+          </a:bodyPr>
+          <a:lstStyle/>
+          <a:p>
+            <a:r>
+              <a:rPr lang="fr" dirty="0"/>
+              <a:t>Bonnes pratiques de modélisation</a:t>
+            </a:r>
+            <a:endParaRPr dirty="0"/>
+          </a:p>
+          <a:p>
+            <a:pPr>
+              <a:lnSpc>
+                <a:spcPct val="115000"/>
+              </a:lnSpc>
+              <a:spcAft>
+                <a:spcPts val="1600"/>
+              </a:spcAft>
+            </a:pPr>
+            <a:r>
+              <a:rPr lang="fr" sz="2400" dirty="0">
+                <a:solidFill>
+                  <a:srgbClr val="00B050"/>
+                </a:solidFill>
+              </a:rPr>
+              <a:t>Générer un environnement de travail reproductible</a:t>
+            </a:r>
+            <a:endParaRPr dirty="0">
+              <a:solidFill>
+                <a:srgbClr val="00B050"/>
+              </a:solidFill>
+            </a:endParaRPr>
+          </a:p>
+        </p:txBody>
+      </p:sp>
+      <p:sp>
+        <p:nvSpPr>
+          <p:cNvPr id="160" name="Google Shape;160;p26">
+            <a:extLst>
+              <a:ext uri="{FF2B5EF4-FFF2-40B4-BE49-F238E27FC236}">
+                <a16:creationId xmlns:a16="http://schemas.microsoft.com/office/drawing/2014/main" id="{D54A681B-16E4-B294-824F-2630A20661A4}"/>
+              </a:ext>
+            </a:extLst>
+          </p:cNvPr>
+          <p:cNvSpPr txBox="1">
+            <a:spLocks noGrp="1"/>
+          </p:cNvSpPr>
+          <p:nvPr>
+            <p:ph type="body" idx="1"/>
+          </p:nvPr>
+        </p:nvSpPr>
+        <p:spPr>
+          <a:xfrm>
+            <a:off x="415600" y="1773533"/>
+            <a:ext cx="11360800" cy="4318400"/>
+          </a:xfrm>
+          <a:prstGeom prst="rect">
+            <a:avLst/>
+          </a:prstGeom>
+        </p:spPr>
+        <p:txBody>
+          <a:bodyPr spcFirstLastPara="1" wrap="square" lIns="121900" tIns="121900" rIns="121900" bIns="121900" anchor="t" anchorCtr="0">
+            <a:normAutofit/>
+          </a:bodyPr>
+          <a:lstStyle/>
+          <a:p>
+            <a:pPr marL="0" indent="0">
+              <a:buNone/>
+            </a:pPr>
+            <a:r>
+              <a:rPr lang="fr"/>
+              <a:t>Options:</a:t>
+            </a:r>
+            <a:endParaRPr/>
+          </a:p>
+          <a:p>
+            <a:pPr>
+              <a:spcBef>
+                <a:spcPts val="1600"/>
+              </a:spcBef>
+              <a:buChar char="-"/>
+            </a:pPr>
+            <a:r>
+              <a:rPr lang="fr" u="sng">
+                <a:solidFill>
+                  <a:schemeClr val="hlink"/>
+                </a:solidFill>
+                <a:hlinkClick r:id="rId3"/>
+              </a:rPr>
+              <a:t>{renv}</a:t>
+            </a:r>
+            <a:r>
+              <a:rPr lang="fr"/>
+              <a:t> peut s’ajouter directement à la création d’un projet RStudio</a:t>
+            </a:r>
+            <a:endParaRPr/>
+          </a:p>
+          <a:p>
+            <a:pPr>
+              <a:buChar char="-"/>
+            </a:pPr>
+            <a:r>
+              <a:rPr lang="fr"/>
+              <a:t>Machines virtuelles </a:t>
+            </a:r>
+            <a:r>
+              <a:rPr lang="fr" u="sng">
+                <a:solidFill>
+                  <a:schemeClr val="hlink"/>
+                </a:solidFill>
+                <a:hlinkClick r:id="rId4"/>
+              </a:rPr>
+              <a:t>Docker </a:t>
+            </a:r>
+            <a:r>
+              <a:rPr lang="fr"/>
+              <a:t>(+ complexe)</a:t>
+            </a:r>
+            <a:endParaRPr/>
+          </a:p>
+          <a:p>
+            <a:pPr>
+              <a:buChar char="-"/>
+            </a:pPr>
+            <a:r>
+              <a:rPr lang="fr"/>
+              <a:t>Gestionnaire de package </a:t>
+            </a:r>
+            <a:r>
+              <a:rPr lang="fr" u="sng">
+                <a:solidFill>
+                  <a:schemeClr val="hlink"/>
+                </a:solidFill>
+                <a:hlinkClick r:id="rId5"/>
+              </a:rPr>
+              <a:t>Nix </a:t>
+            </a:r>
+            <a:endParaRPr/>
+          </a:p>
+          <a:p>
+            <a:pPr lvl="1">
+              <a:buChar char="-"/>
+            </a:pPr>
+            <a:r>
+              <a:rPr lang="fr"/>
+              <a:t>Librairie </a:t>
+            </a:r>
+            <a:r>
+              <a:rPr lang="fr" u="sng">
+                <a:solidFill>
+                  <a:schemeClr val="hlink"/>
+                </a:solidFill>
+                <a:hlinkClick r:id="rId5"/>
+              </a:rPr>
+              <a:t>{rix}</a:t>
+            </a:r>
+            <a:r>
+              <a:rPr lang="fr"/>
+              <a:t> pour fonctionner depuis R</a:t>
+            </a:r>
+            <a:endParaRPr/>
+          </a:p>
+          <a:p>
+            <a:pPr lvl="1">
+              <a:buChar char="-"/>
+            </a:pPr>
+            <a:r>
+              <a:rPr lang="fr"/>
+              <a:t>Mise à jour automatique des dépendances des librairies et logiciels</a:t>
+            </a:r>
+            <a:endParaRPr/>
+          </a:p>
+        </p:txBody>
+      </p:sp>
+      <p:pic>
+        <p:nvPicPr>
+          <p:cNvPr id="161" name="Google Shape;161;p26">
+            <a:extLst>
+              <a:ext uri="{FF2B5EF4-FFF2-40B4-BE49-F238E27FC236}">
+                <a16:creationId xmlns:a16="http://schemas.microsoft.com/office/drawing/2014/main" id="{C6F0BC6C-6C0B-8122-0BAA-3815A0B5B6F8}"/>
+              </a:ext>
+            </a:extLst>
+          </p:cNvPr>
+          <p:cNvPicPr preferRelativeResize="0"/>
+          <p:nvPr/>
+        </p:nvPicPr>
+        <p:blipFill>
+          <a:blip r:embed="rId6">
+            <a:alphaModFix/>
+          </a:blip>
+          <a:stretch>
+            <a:fillRect/>
+          </a:stretch>
+        </p:blipFill>
+        <p:spPr>
+          <a:xfrm>
+            <a:off x="9443259" y="4455491"/>
+            <a:ext cx="2178065" cy="2178065"/>
+          </a:xfrm>
+          <a:prstGeom prst="rect">
+            <a:avLst/>
+          </a:prstGeom>
+          <a:noFill/>
+          <a:ln>
+            <a:noFill/>
+          </a:ln>
+        </p:spPr>
+      </p:pic>
+      <p:sp>
+        <p:nvSpPr>
+          <p:cNvPr id="5" name="Google Shape;768;g2a91ee48165_0_10">
+            <a:extLst>
+              <a:ext uri="{FF2B5EF4-FFF2-40B4-BE49-F238E27FC236}">
+                <a16:creationId xmlns:a16="http://schemas.microsoft.com/office/drawing/2014/main" id="{66D408A9-7C64-CCD8-6F10-2953FDEE6DA1}"/>
+              </a:ext>
+            </a:extLst>
+          </p:cNvPr>
+          <p:cNvSpPr txBox="1">
+            <a:spLocks noGrp="1"/>
+          </p:cNvSpPr>
+          <p:nvPr>
+            <p:ph type="sldNum" idx="12"/>
+          </p:nvPr>
+        </p:nvSpPr>
+        <p:spPr>
+          <a:xfrm>
+            <a:off x="8610600" y="6356351"/>
+            <a:ext cx="2743200" cy="365200"/>
+          </a:xfrm>
+          <a:prstGeom prst="rect">
+            <a:avLst/>
+          </a:prstGeom>
+        </p:spPr>
+        <p:txBody>
+          <a:bodyPr spcFirstLastPara="1" wrap="square" lIns="91433" tIns="45700" rIns="91433" bIns="45700" anchor="ctr" anchorCtr="0">
+            <a:noAutofit/>
+          </a:bodyPr>
+          <a:lstStyle/>
+          <a:p>
+            <a:fld id="{00000000-1234-1234-1234-123412341234}" type="slidenum">
+              <a:rPr lang="fr-FR"/>
+              <a:pPr/>
+              <a:t>14</a:t>
+            </a:fld>
+            <a:endParaRPr/>
+          </a:p>
+        </p:txBody>
+      </p:sp>
+    </p:spTree>
+    <p:extLst>
+      <p:ext uri="{BB962C8B-B14F-4D97-AF65-F5344CB8AC3E}">
+        <p14:creationId xmlns:p14="http://schemas.microsoft.com/office/powerpoint/2010/main" val="875055406"/>
+      </p:ext>
+    </p:extLst>
+  </p:cSld>
+  <p:clrMapOvr>
+    <a:masterClrMapping/>
+  </p:clrMapOvr>
+</p:sld>
+</file>
+
+<file path=ppt/slides/slide15.xml><?xml version="1.0" encoding="utf-8"?>
+<p:sld xmlns:a="http://schemas.openxmlformats.org/drawingml/2006/main" xmlns:r="http://schemas.openxmlformats.org/officeDocument/2006/relationships" xmlns:p="http://schemas.openxmlformats.org/presentationml/2006/main">
+  <p:cSld>
+    <p:spTree>
+      <p:nvGrpSpPr>
+        <p:cNvPr id="1" name="Shape 158">
+          <a:extLst>
+            <a:ext uri="{FF2B5EF4-FFF2-40B4-BE49-F238E27FC236}">
+              <a16:creationId xmlns:a16="http://schemas.microsoft.com/office/drawing/2014/main" id="{A91451C0-0766-A4E7-1CC7-0130C82E3BA5}"/>
+            </a:ext>
+          </a:extLst>
+        </p:cNvPr>
+        <p:cNvGrpSpPr/>
+        <p:nvPr/>
+      </p:nvGrpSpPr>
+      <p:grpSpPr>
+        <a:xfrm>
+          <a:off x="0" y="0"/>
+          <a:ext cx="0" cy="0"/>
+          <a:chOff x="0" y="0"/>
+          <a:chExt cx="0" cy="0"/>
+        </a:xfrm>
+      </p:grpSpPr>
+      <p:sp>
+        <p:nvSpPr>
+          <p:cNvPr id="159" name="Google Shape;159;p26">
+            <a:extLst>
+              <a:ext uri="{FF2B5EF4-FFF2-40B4-BE49-F238E27FC236}">
+                <a16:creationId xmlns:a16="http://schemas.microsoft.com/office/drawing/2014/main" id="{12D23B44-2019-A033-FA01-759C51D1EF1A}"/>
+              </a:ext>
+            </a:extLst>
+          </p:cNvPr>
+          <p:cNvSpPr txBox="1">
+            <a:spLocks noGrp="1"/>
+          </p:cNvSpPr>
+          <p:nvPr>
+            <p:ph type="title"/>
+          </p:nvPr>
+        </p:nvSpPr>
+        <p:spPr>
+          <a:xfrm>
+            <a:off x="415600" y="593367"/>
+            <a:ext cx="11360800" cy="1069178"/>
+          </a:xfrm>
+          <a:prstGeom prst="rect">
+            <a:avLst/>
+          </a:prstGeom>
+        </p:spPr>
+        <p:txBody>
+          <a:bodyPr spcFirstLastPara="1" wrap="square" lIns="121900" tIns="121900" rIns="121900" bIns="121900" anchor="t" anchorCtr="0">
+            <a:normAutofit fontScale="90000"/>
+          </a:bodyPr>
+          <a:lstStyle/>
+          <a:p>
+            <a:r>
+              <a:rPr lang="fr" dirty="0"/>
+              <a:t>Bonnes pratiques de modélisation</a:t>
+            </a:r>
+            <a:endParaRPr dirty="0"/>
+          </a:p>
+          <a:p>
+            <a:pPr>
+              <a:lnSpc>
+                <a:spcPct val="115000"/>
+              </a:lnSpc>
+              <a:spcAft>
+                <a:spcPts val="1600"/>
+              </a:spcAft>
+            </a:pPr>
+            <a:r>
+              <a:rPr lang="fr" sz="2400" dirty="0">
+                <a:solidFill>
+                  <a:srgbClr val="00B050"/>
+                </a:solidFill>
+              </a:rPr>
+              <a:t>Générer un environnement de travail reproductible</a:t>
+            </a:r>
+            <a:endParaRPr dirty="0">
+              <a:solidFill>
+                <a:srgbClr val="00B050"/>
+              </a:solidFill>
+            </a:endParaRPr>
+          </a:p>
+        </p:txBody>
+      </p:sp>
+      <p:sp>
+        <p:nvSpPr>
+          <p:cNvPr id="160" name="Google Shape;160;p26">
+            <a:extLst>
+              <a:ext uri="{FF2B5EF4-FFF2-40B4-BE49-F238E27FC236}">
+                <a16:creationId xmlns:a16="http://schemas.microsoft.com/office/drawing/2014/main" id="{E268D685-96A1-8B86-3F12-F18DC3303A71}"/>
+              </a:ext>
+            </a:extLst>
+          </p:cNvPr>
+          <p:cNvSpPr txBox="1">
+            <a:spLocks noGrp="1"/>
+          </p:cNvSpPr>
+          <p:nvPr>
+            <p:ph type="body" idx="1"/>
+          </p:nvPr>
+        </p:nvSpPr>
+        <p:spPr>
+          <a:xfrm>
+            <a:off x="415600" y="1773533"/>
+            <a:ext cx="11360800" cy="4318400"/>
+          </a:xfrm>
+          <a:prstGeom prst="rect">
+            <a:avLst/>
+          </a:prstGeom>
+        </p:spPr>
+        <p:txBody>
+          <a:bodyPr spcFirstLastPara="1" wrap="square" lIns="121900" tIns="121900" rIns="121900" bIns="121900" anchor="t" anchorCtr="0">
+            <a:normAutofit/>
+          </a:bodyPr>
+          <a:lstStyle/>
+          <a:p>
+            <a:pPr marL="0" indent="0">
+              <a:buNone/>
+            </a:pPr>
+            <a:r>
+              <a:rPr lang="fr"/>
+              <a:t>Options:</a:t>
+            </a:r>
+            <a:endParaRPr/>
+          </a:p>
+          <a:p>
+            <a:pPr>
+              <a:spcBef>
+                <a:spcPts val="1600"/>
+              </a:spcBef>
+              <a:buChar char="-"/>
+            </a:pPr>
+            <a:r>
+              <a:rPr lang="fr" u="sng">
+                <a:solidFill>
+                  <a:schemeClr val="hlink"/>
+                </a:solidFill>
+                <a:hlinkClick r:id="rId3"/>
+              </a:rPr>
+              <a:t>{renv}</a:t>
+            </a:r>
+            <a:r>
+              <a:rPr lang="fr"/>
+              <a:t> peut s’ajouter directement à la création d’un projet RStudio</a:t>
+            </a:r>
+            <a:endParaRPr/>
+          </a:p>
+          <a:p>
+            <a:pPr>
+              <a:buChar char="-"/>
+            </a:pPr>
+            <a:r>
+              <a:rPr lang="fr"/>
+              <a:t>Machines virtuelles </a:t>
+            </a:r>
+            <a:r>
+              <a:rPr lang="fr" u="sng">
+                <a:solidFill>
+                  <a:schemeClr val="hlink"/>
+                </a:solidFill>
+                <a:hlinkClick r:id="rId4"/>
+              </a:rPr>
+              <a:t>Docker </a:t>
+            </a:r>
+            <a:r>
+              <a:rPr lang="fr"/>
+              <a:t>(+ complexe)</a:t>
+            </a:r>
+            <a:endParaRPr/>
+          </a:p>
+          <a:p>
+            <a:pPr>
+              <a:buChar char="-"/>
+            </a:pPr>
+            <a:r>
+              <a:rPr lang="fr"/>
+              <a:t>Gestionnaire de package </a:t>
+            </a:r>
+            <a:r>
+              <a:rPr lang="fr" u="sng">
+                <a:solidFill>
+                  <a:schemeClr val="hlink"/>
+                </a:solidFill>
+                <a:hlinkClick r:id="rId5"/>
+              </a:rPr>
+              <a:t>Nix </a:t>
+            </a:r>
+            <a:endParaRPr/>
+          </a:p>
+          <a:p>
+            <a:pPr lvl="1">
+              <a:buChar char="-"/>
+            </a:pPr>
+            <a:r>
+              <a:rPr lang="fr"/>
+              <a:t>Librairie </a:t>
+            </a:r>
+            <a:r>
+              <a:rPr lang="fr" u="sng">
+                <a:solidFill>
+                  <a:schemeClr val="hlink"/>
+                </a:solidFill>
+                <a:hlinkClick r:id="rId5"/>
+              </a:rPr>
+              <a:t>{rix}</a:t>
+            </a:r>
+            <a:r>
+              <a:rPr lang="fr"/>
+              <a:t> pour fonctionner depuis R</a:t>
+            </a:r>
+            <a:endParaRPr/>
+          </a:p>
+          <a:p>
+            <a:pPr lvl="1">
+              <a:buChar char="-"/>
+            </a:pPr>
+            <a:r>
+              <a:rPr lang="fr"/>
+              <a:t>Mise à jour automatique des dépendances des librairies et logiciels</a:t>
+            </a:r>
+            <a:endParaRPr/>
+          </a:p>
+        </p:txBody>
+      </p:sp>
+      <p:pic>
+        <p:nvPicPr>
+          <p:cNvPr id="161" name="Google Shape;161;p26">
+            <a:extLst>
+              <a:ext uri="{FF2B5EF4-FFF2-40B4-BE49-F238E27FC236}">
+                <a16:creationId xmlns:a16="http://schemas.microsoft.com/office/drawing/2014/main" id="{9383EFCC-6E28-7F33-85A2-C98E767A7534}"/>
+              </a:ext>
+            </a:extLst>
+          </p:cNvPr>
+          <p:cNvPicPr preferRelativeResize="0"/>
+          <p:nvPr/>
+        </p:nvPicPr>
+        <p:blipFill>
+          <a:blip r:embed="rId6">
+            <a:alphaModFix/>
+          </a:blip>
+          <a:stretch>
+            <a:fillRect/>
+          </a:stretch>
+        </p:blipFill>
+        <p:spPr>
+          <a:xfrm>
+            <a:off x="9443259" y="4455491"/>
+            <a:ext cx="2178065" cy="2178065"/>
+          </a:xfrm>
+          <a:prstGeom prst="rect">
+            <a:avLst/>
+          </a:prstGeom>
+          <a:noFill/>
+          <a:ln>
+            <a:noFill/>
+          </a:ln>
+        </p:spPr>
+      </p:pic>
+      <p:sp>
+        <p:nvSpPr>
+          <p:cNvPr id="5" name="Google Shape;768;g2a91ee48165_0_10">
+            <a:extLst>
+              <a:ext uri="{FF2B5EF4-FFF2-40B4-BE49-F238E27FC236}">
+                <a16:creationId xmlns:a16="http://schemas.microsoft.com/office/drawing/2014/main" id="{1218C4A9-0B1D-AFF8-68B9-6DA4D81D0DB6}"/>
+              </a:ext>
+            </a:extLst>
+          </p:cNvPr>
+          <p:cNvSpPr txBox="1">
+            <a:spLocks noGrp="1"/>
+          </p:cNvSpPr>
+          <p:nvPr>
+            <p:ph type="sldNum" idx="12"/>
+          </p:nvPr>
+        </p:nvSpPr>
+        <p:spPr>
+          <a:xfrm>
+            <a:off x="8610600" y="6356351"/>
+            <a:ext cx="2743200" cy="365200"/>
+          </a:xfrm>
+          <a:prstGeom prst="rect">
+            <a:avLst/>
+          </a:prstGeom>
+        </p:spPr>
+        <p:txBody>
+          <a:bodyPr spcFirstLastPara="1" wrap="square" lIns="91433" tIns="45700" rIns="91433" bIns="45700" anchor="ctr" anchorCtr="0">
+            <a:noAutofit/>
+          </a:bodyPr>
+          <a:lstStyle/>
+          <a:p>
+            <a:fld id="{00000000-1234-1234-1234-123412341234}" type="slidenum">
+              <a:rPr lang="fr-FR"/>
+              <a:pPr/>
+              <a:t>15</a:t>
+            </a:fld>
+            <a:endParaRPr/>
+          </a:p>
+        </p:txBody>
+      </p:sp>
+    </p:spTree>
+    <p:extLst>
+      <p:ext uri="{BB962C8B-B14F-4D97-AF65-F5344CB8AC3E}">
+        <p14:creationId xmlns:p14="http://schemas.microsoft.com/office/powerpoint/2010/main" val="173795249"/>
+      </p:ext>
+    </p:extLst>
+  </p:cSld>
+  <p:clrMapOvr>
+    <a:masterClrMapping/>
+  </p:clrMapOvr>
+</p:sld>
+</file>
+
+<file path=ppt/slides/slide16.xml><?xml version="1.0" encoding="utf-8"?>
+<p:sld xmlns:a="http://schemas.openxmlformats.org/drawingml/2006/main" xmlns:r="http://schemas.openxmlformats.org/officeDocument/2006/relationships" xmlns:p="http://schemas.openxmlformats.org/presentationml/2006/main">
+  <p:cSld>
+    <p:spTree>
+      <p:nvGrpSpPr>
         <p:cNvPr id="1" name="Shape 165"/>
         <p:cNvGrpSpPr/>
         <p:nvPr/>
